--- a/4-1/빅데이터/11 기계학습.pptx
+++ b/4-1/빅데이터/11 기계학습.pptx
@@ -3501,8 +3501,8 @@
     </dgm:pt>
   </dgm:ptLst>
   <dgm:cxnLst>
+    <dgm:cxn modelId="{03DFEB14-7F3B-4A8B-96D9-CF54A19080CD}" type="presOf" srcId="{6FD73752-2ECC-46A4-BDF3-BBE6A1ECEC5E}" destId="{B28BAF34-EDAE-4088-8BB2-E4A0AF3C3E06}" srcOrd="0" destOrd="0" presId="urn:microsoft.com/office/officeart/2005/8/layout/hList1"/>
     <dgm:cxn modelId="{EA9F14B5-2594-4646-BC64-6E82CF5075A9}" srcId="{33C926BE-B29F-47FB-A73B-C1B8481B6EF1}" destId="{3F71D735-4598-47A4-BC48-2AF86803DCF6}" srcOrd="0" destOrd="0" parTransId="{1FD36B6C-696A-43C7-B4D1-0E4C2B30C7EB}" sibTransId="{43B185C3-29C3-4726-BF5A-4A34968DD028}"/>
-    <dgm:cxn modelId="{03DFEB14-7F3B-4A8B-96D9-CF54A19080CD}" type="presOf" srcId="{6FD73752-2ECC-46A4-BDF3-BBE6A1ECEC5E}" destId="{B28BAF34-EDAE-4088-8BB2-E4A0AF3C3E06}" srcOrd="0" destOrd="0" presId="urn:microsoft.com/office/officeart/2005/8/layout/hList1"/>
     <dgm:cxn modelId="{E8CC1A8D-2313-4084-8F38-8817E01A9411}" srcId="{C86E34D3-1B04-48A8-8091-CEE5DF32EDAC}" destId="{2C818ECA-D328-473C-92CF-31FCC269ECBC}" srcOrd="6" destOrd="0" parTransId="{D933EAD7-81E4-4B93-A774-96DF18ABFE0B}" sibTransId="{2439D2A1-215F-40F0-8C37-0989F31234C8}"/>
     <dgm:cxn modelId="{30565515-5CEA-4E65-98C1-717C495E21D0}" srcId="{33C926BE-B29F-47FB-A73B-C1B8481B6EF1}" destId="{B68422D5-91C6-413F-B88E-C9DF04885132}" srcOrd="2" destOrd="0" parTransId="{373457C6-F38A-4847-BE13-D0BEBA8828D4}" sibTransId="{352E6F04-223B-4252-9AE4-35ED85E344C0}"/>
     <dgm:cxn modelId="{3FBDB15C-6E3B-4BFE-9DE7-1FC90648C7D3}" type="presOf" srcId="{C86E34D3-1B04-48A8-8091-CEE5DF32EDAC}" destId="{2BFE317D-3265-4F50-91AE-6C51BB525322}" srcOrd="0" destOrd="0" presId="urn:microsoft.com/office/officeart/2005/8/layout/hList1"/>
@@ -3520,9 +3520,9 @@
     <dgm:cxn modelId="{02B9E975-F88B-4F4E-8283-8A99FF218C77}" type="presOf" srcId="{F5FAE1FD-A717-4EAB-B170-A0F58596A475}" destId="{0DD7EBB5-B7A3-47B2-B888-5AD8935CFEBD}" srcOrd="0" destOrd="4" presId="urn:microsoft.com/office/officeart/2005/8/layout/hList1"/>
     <dgm:cxn modelId="{FC4931D1-06FA-45AB-A31B-28565FA5C161}" type="presOf" srcId="{33C926BE-B29F-47FB-A73B-C1B8481B6EF1}" destId="{E72DD1D3-4832-4947-BEAA-F99041FC0900}" srcOrd="0" destOrd="0" presId="urn:microsoft.com/office/officeart/2005/8/layout/hList1"/>
     <dgm:cxn modelId="{CC3E2E82-F192-473E-850E-3B56EC0930C2}" type="presOf" srcId="{FBA3B0BB-608C-4AE2-84FF-19B7484C8A26}" destId="{D3A45F17-7D04-4973-8F7F-0D1ACCC9F54E}" srcOrd="0" destOrd="0" presId="urn:microsoft.com/office/officeart/2005/8/layout/hList1"/>
+    <dgm:cxn modelId="{4E58E252-60F6-4697-9C61-94A5786A4542}" type="presOf" srcId="{0FBE3296-3E10-40B2-96F8-867F5C3A30AB}" destId="{B28BAF34-EDAE-4088-8BB2-E4A0AF3C3E06}" srcOrd="0" destOrd="1" presId="urn:microsoft.com/office/officeart/2005/8/layout/hList1"/>
+    <dgm:cxn modelId="{EC7EE9A9-4A5F-4F77-93BE-05F472560BA1}" type="presOf" srcId="{EBF2F56D-BB20-4D36-A660-511361A5DA9F}" destId="{B28BAF34-EDAE-4088-8BB2-E4A0AF3C3E06}" srcOrd="0" destOrd="2" presId="urn:microsoft.com/office/officeart/2005/8/layout/hList1"/>
     <dgm:cxn modelId="{04B89A56-D1CD-43E4-A670-E56BD80606F2}" type="presOf" srcId="{B68422D5-91C6-413F-B88E-C9DF04885132}" destId="{80D6544E-BC8E-446E-AEDC-BF820CC5F008}" srcOrd="0" destOrd="2" presId="urn:microsoft.com/office/officeart/2005/8/layout/hList1"/>
-    <dgm:cxn modelId="{EC7EE9A9-4A5F-4F77-93BE-05F472560BA1}" type="presOf" srcId="{EBF2F56D-BB20-4D36-A660-511361A5DA9F}" destId="{B28BAF34-EDAE-4088-8BB2-E4A0AF3C3E06}" srcOrd="0" destOrd="2" presId="urn:microsoft.com/office/officeart/2005/8/layout/hList1"/>
-    <dgm:cxn modelId="{4E58E252-60F6-4697-9C61-94A5786A4542}" type="presOf" srcId="{0FBE3296-3E10-40B2-96F8-867F5C3A30AB}" destId="{B28BAF34-EDAE-4088-8BB2-E4A0AF3C3E06}" srcOrd="0" destOrd="1" presId="urn:microsoft.com/office/officeart/2005/8/layout/hList1"/>
     <dgm:cxn modelId="{9B13F583-5DCF-4AF1-87EE-E741EC0D581A}" srcId="{C86E34D3-1B04-48A8-8091-CEE5DF32EDAC}" destId="{0CFD4172-9370-45B8-BBFD-C11526B9E011}" srcOrd="2" destOrd="0" parTransId="{7055CAEC-24A7-4A1D-A963-9EAED9F7661A}" sibTransId="{60DE3929-6D10-4D63-B999-45CB44814EC0}"/>
     <dgm:cxn modelId="{36A53941-7F2D-41D4-AAF3-6C37D9D22A57}" srcId="{E59BF320-6007-45D9-80A3-C91AF7F4AB8D}" destId="{33C926BE-B29F-47FB-A73B-C1B8481B6EF1}" srcOrd="2" destOrd="0" parTransId="{85BDA505-F8CD-4FCC-91CA-76BB4486CB1D}" sibTransId="{93626177-8557-4E6B-841E-CC28D0553C9F}"/>
     <dgm:cxn modelId="{5D35E45E-1ACF-404A-8301-9499EEED5D7A}" srcId="{3756F973-2918-4FA9-8612-8715FD69620D}" destId="{6FD73752-2ECC-46A4-BDF3-BBE6A1ECEC5E}" srcOrd="0" destOrd="0" parTransId="{6A913978-03B4-4A0D-AAD5-D6E49214241D}" sibTransId="{8025041D-ED35-46D0-A689-260660AB434C}"/>
@@ -6492,7 +6492,7 @@
             <a:fld id="{7C93A5E4-EFBF-42F1-9D6D-150DBC18A077}" type="datetimeFigureOut">
               <a:rPr lang="ko-KR" altLang="en-US" smtClean="0"/>
               <a:pPr/>
-              <a:t>2019-04-08</a:t>
+              <a:t>2019-04-15</a:t>
             </a:fld>
             <a:endParaRPr lang="ko-KR" altLang="en-US"/>
           </a:p>
@@ -12130,20 +12130,16 @@
           <a:p>
             <a:pPr lvl="2"/>
             <a:r>
-              <a:rPr lang="ko-KR" altLang="en-US" dirty="0" err="1" smtClean="0"/>
-              <a:t>이메일에</a:t>
-            </a:r>
-            <a:r>
               <a:rPr lang="ko-KR" altLang="en-US" dirty="0" smtClean="0"/>
-              <a:t> </a:t>
+              <a:t>이메일에 </a:t>
             </a:r>
             <a:r>
               <a:rPr lang="en-US" altLang="ko-KR" dirty="0" smtClean="0"/>
               <a:t>‘</a:t>
             </a:r>
             <a:r>
-              <a:rPr lang="ko-KR" altLang="en-US" dirty="0" err="1" smtClean="0"/>
-              <a:t>비아그라</a:t>
+              <a:rPr lang="ko-KR" altLang="en-US" dirty="0" smtClean="0"/>
+              <a:t>광고</a:t>
             </a:r>
             <a:r>
               <a:rPr lang="en-US" altLang="ko-KR" dirty="0" smtClean="0"/>
@@ -12974,8 +12970,8 @@
           </a:p>
         </p:txBody>
       </p:sp>
-      <mc:AlternateContent xmlns:mc="http://schemas.openxmlformats.org/markup-compatibility/2006" xmlns:a14="http://schemas.microsoft.com/office/drawing/2010/main">
-        <mc:Choice Requires="a14">
+      <mc:AlternateContent xmlns:mc="http://schemas.openxmlformats.org/markup-compatibility/2006">
+        <mc:Choice xmlns:a14="http://schemas.microsoft.com/office/drawing/2010/main" Requires="a14">
           <p:sp>
             <p:nvSpPr>
               <p:cNvPr id="3" name="내용 개체 틀 2"/>
@@ -13106,15 +13102,15 @@
                   <a:buNone/>
                 </a:pPr>
                 <a:r>
-                  <a:rPr lang="en-US" altLang="ko-KR" dirty="0"/>
+                  <a:rPr lang="en-US" altLang="ko-KR" sz="1600" dirty="0"/>
                   <a:t>   </a:t>
                 </a:r>
                 <a:r>
-                  <a:rPr lang="ko-KR" altLang="en-US" dirty="0"/>
+                  <a:rPr lang="ko-KR" altLang="en-US" sz="1600" dirty="0"/>
                   <a:t>주성분 </a:t>
                 </a:r>
                 <a:r>
-                  <a:rPr lang="en-US" altLang="ko-KR" dirty="0"/>
+                  <a:rPr lang="en-US" altLang="ko-KR" sz="1600" dirty="0"/>
                   <a:t>V = </a:t>
                 </a:r>
                 <a14:m>
@@ -13122,7 +13118,7 @@
                     <m:d>
                       <m:dPr>
                         <m:ctrlPr>
-                          <a:rPr lang="en-US" altLang="ko-KR" i="1">
+                          <a:rPr lang="en-US" altLang="ko-KR" sz="1600" i="1">
                             <a:latin typeface="Cambria Math"/>
                           </a:rPr>
                         </m:ctrlPr>
@@ -13139,7 +13135,7 @@
                               </m:mc>
                             </m:mcs>
                             <m:ctrlPr>
-                              <a:rPr lang="en-US" altLang="ko-KR" i="1">
+                              <a:rPr lang="en-US" altLang="ko-KR" sz="1600" i="1">
                                 <a:latin typeface="Cambria Math"/>
                               </a:rPr>
                             </m:ctrlPr>
@@ -13150,7 +13146,7 @@
                                 <m:rPr>
                                   <m:brk m:alnAt="7"/>
                                 </m:rPr>
-                                <a:rPr lang="en-US" altLang="ko-KR" i="1">
+                                <a:rPr lang="en-US" altLang="ko-KR" sz="1600" i="1">
                                   <a:latin typeface="Cambria Math"/>
                                 </a:rPr>
                                 <m:t>⋮</m:t>
@@ -13161,7 +13157,7 @@
                                 <m:rPr>
                                   <m:brk m:alnAt="7"/>
                                 </m:rPr>
-                                <a:rPr lang="en-US" altLang="ko-KR" i="1">
+                                <a:rPr lang="en-US" altLang="ko-KR" sz="1600" i="1">
                                   <a:latin typeface="Cambria Math"/>
                                 </a:rPr>
                                 <m:t>⋮</m:t>
@@ -13172,7 +13168,7 @@
                                 <m:rPr>
                                   <m:brk m:alnAt="7"/>
                                 </m:rPr>
-                                <a:rPr lang="en-US" altLang="ko-KR" i="1">
+                                <a:rPr lang="en-US" altLang="ko-KR" sz="1600" i="1">
                                   <a:latin typeface="Cambria Math"/>
                                 </a:rPr>
                                 <m:t>⋮</m:t>
@@ -13184,14 +13180,14 @@
                               <m:sSub>
                                 <m:sSubPr>
                                   <m:ctrlPr>
-                                    <a:rPr lang="en-US" altLang="ko-KR" i="1">
+                                    <a:rPr lang="en-US" altLang="ko-KR" sz="1600" i="1">
                                       <a:latin typeface="Cambria Math"/>
                                     </a:rPr>
                                   </m:ctrlPr>
                                 </m:sSubPr>
                                 <m:e>
                                   <m:r>
-                                    <a:rPr lang="en-US" altLang="ko-KR" i="1">
+                                    <a:rPr lang="en-US" altLang="ko-KR" sz="1600" i="1">
                                       <a:latin typeface="Cambria Math"/>
                                     </a:rPr>
                                     <m:t>𝑐</m:t>
@@ -13199,7 +13195,7 @@
                                 </m:e>
                                 <m:sub>
                                   <m:r>
-                                    <a:rPr lang="en-US" altLang="ko-KR" i="1">
+                                    <a:rPr lang="en-US" altLang="ko-KR" sz="1600" i="1">
                                       <a:latin typeface="Cambria Math"/>
                                     </a:rPr>
                                     <m:t>1</m:t>
@@ -13209,7 +13205,7 @@
                             </m:e>
                             <m:e>
                               <m:r>
-                                <a:rPr lang="en-US" altLang="ko-KR" i="1">
+                                <a:rPr lang="en-US" altLang="ko-KR" sz="1600" i="1">
                                   <a:latin typeface="Cambria Math"/>
                                 </a:rPr>
                                 <m:t>…</m:t>
@@ -13219,14 +13215,14 @@
                               <m:sSub>
                                 <m:sSubPr>
                                   <m:ctrlPr>
-                                    <a:rPr lang="en-US" altLang="ko-KR" i="1">
+                                    <a:rPr lang="en-US" altLang="ko-KR" sz="1600" i="1">
                                       <a:latin typeface="Cambria Math"/>
                                     </a:rPr>
                                   </m:ctrlPr>
                                 </m:sSubPr>
                                 <m:e>
                                   <m:r>
-                                    <a:rPr lang="en-US" altLang="ko-KR" i="1">
+                                    <a:rPr lang="en-US" altLang="ko-KR" sz="1600" i="1">
                                       <a:latin typeface="Cambria Math"/>
                                     </a:rPr>
                                     <m:t>𝑐</m:t>
@@ -13234,7 +13230,7 @@
                                 </m:e>
                                 <m:sub>
                                   <m:r>
-                                    <a:rPr lang="en-US" altLang="ko-KR" i="1">
+                                    <a:rPr lang="en-US" altLang="ko-KR" sz="1600" i="1">
                                       <a:latin typeface="Cambria Math"/>
                                     </a:rPr>
                                     <m:t>𝑛</m:t>
@@ -13249,7 +13245,7 @@
                                 <m:rPr>
                                   <m:brk m:alnAt="7"/>
                                 </m:rPr>
-                                <a:rPr lang="en-US" altLang="ko-KR" i="1">
+                                <a:rPr lang="en-US" altLang="ko-KR" sz="1600" i="1">
                                   <a:latin typeface="Cambria Math"/>
                                 </a:rPr>
                                 <m:t>⋮</m:t>
@@ -13260,7 +13256,7 @@
                                 <m:rPr>
                                   <m:brk m:alnAt="7"/>
                                 </m:rPr>
-                                <a:rPr lang="en-US" altLang="ko-KR" i="1">
+                                <a:rPr lang="en-US" altLang="ko-KR" sz="1600" i="1">
                                   <a:latin typeface="Cambria Math"/>
                                 </a:rPr>
                                 <m:t>⋮</m:t>
@@ -13271,7 +13267,7 @@
                                 <m:rPr>
                                   <m:brk m:alnAt="7"/>
                                 </m:rPr>
-                                <a:rPr lang="en-US" altLang="ko-KR" i="1">
+                                <a:rPr lang="en-US" altLang="ko-KR" sz="1600" i="1">
                                   <a:latin typeface="Cambria Math"/>
                                 </a:rPr>
                                 <m:t>⋮</m:t>
@@ -13284,40 +13280,188 @@
                   </m:oMath>
                 </a14:m>
                 <a:r>
-                  <a:rPr lang="ko-KR" altLang="en-US" dirty="0"/>
+                  <a:rPr lang="ko-KR" altLang="en-US" sz="1600" dirty="0"/>
                   <a:t> </a:t>
                 </a:r>
                 <a:r>
-                  <a:rPr lang="en-US" altLang="ko-KR" dirty="0"/>
+                  <a:rPr lang="en-US" altLang="ko-KR" sz="1600" dirty="0"/>
                   <a:t>, V</a:t>
                 </a:r>
                 <a:r>
-                  <a:rPr lang="ko-KR" altLang="en-US" dirty="0"/>
+                  <a:rPr lang="ko-KR" altLang="en-US" sz="1600" dirty="0"/>
                   <a:t>는 </a:t>
                 </a:r>
                 <a:r>
-                  <a:rPr lang="en-US" altLang="ko-KR" dirty="0"/>
+                  <a:rPr lang="en-US" altLang="ko-KR" sz="1600" dirty="0"/>
                   <a:t>python</a:t>
                 </a:r>
                 <a:r>
-                  <a:rPr lang="ko-KR" altLang="en-US" dirty="0"/>
+                  <a:rPr lang="ko-KR" altLang="en-US" sz="1600" dirty="0"/>
                   <a:t>의 </a:t>
                 </a:r>
                 <a:r>
-                  <a:rPr lang="en-US" altLang="ko-KR" dirty="0" err="1"/>
+                  <a:rPr lang="en-US" altLang="ko-KR" sz="1600" dirty="0" err="1"/>
                   <a:t>svd</a:t>
                 </a:r>
                 <a:r>
-                  <a:rPr lang="en-US" altLang="ko-KR" dirty="0"/>
+                  <a:rPr lang="en-US" altLang="ko-KR" sz="1600" dirty="0"/>
                   <a:t>()</a:t>
                 </a:r>
                 <a:r>
-                  <a:rPr lang="ko-KR" altLang="en-US" dirty="0"/>
+                  <a:rPr lang="ko-KR" altLang="en-US" sz="1600" dirty="0"/>
                   <a:t>함수로 구할 수 </a:t>
                 </a:r>
                 <a:r>
-                  <a:rPr lang="ko-KR" altLang="en-US" dirty="0" smtClean="0"/>
+                  <a:rPr lang="ko-KR" altLang="en-US" sz="1600" dirty="0" smtClean="0"/>
                   <a:t>있음</a:t>
+                </a:r>
+                <a:endParaRPr lang="en-US" altLang="ko-KR" sz="1600" dirty="0" smtClean="0"/>
+              </a:p>
+              <a:p>
+                <a:pPr marL="630238" lvl="2" indent="0">
+                  <a:buNone/>
+                </a:pPr>
+                <a:r>
+                  <a:rPr lang="en-US" altLang="ko-KR" sz="1400" dirty="0" smtClean="0"/>
+                  <a:t>  U:</a:t>
+                </a:r>
+                <a:r>
+                  <a:rPr lang="en-US" altLang="ko-KR" sz="1400" dirty="0"/>
+                  <a:t> </a:t>
+                </a:r>
+                <a:r>
+                  <a:rPr lang="en-US" altLang="ko-KR" sz="1400" dirty="0" smtClean="0"/>
+                  <a:t>m×m</a:t>
+                </a:r>
+                <a:r>
+                  <a:rPr lang="en-US" altLang="ko-KR" sz="1400" dirty="0"/>
+                  <a:t> orthogonal </a:t>
+                </a:r>
+                <a:r>
+                  <a:rPr lang="en-US" altLang="ko-KR" sz="1400" dirty="0" smtClean="0"/>
+                  <a:t>matrix, (</a:t>
+                </a:r>
+                <a:r>
+                  <a:rPr lang="ko-KR" altLang="en-US" sz="1400" dirty="0" smtClean="0"/>
+                  <a:t>참고</a:t>
+                </a:r>
+                <a:r>
+                  <a:rPr lang="en-US" altLang="ko-KR" sz="1400" dirty="0" smtClean="0"/>
+                  <a:t>: orthogonal matrix </a:t>
+                </a:r>
+                <a:r>
+                  <a:rPr lang="ko-KR" altLang="en-US" sz="1400" dirty="0" smtClean="0"/>
+                  <a:t>조 건</a:t>
+                </a:r>
+                <a:r>
+                  <a:rPr lang="en-US" altLang="ko-KR" sz="1400" dirty="0" smtClean="0"/>
+                  <a:t>: UU</a:t>
+                </a:r>
+                <a:r>
+                  <a:rPr lang="en-US" altLang="ko-KR" sz="1400" baseline="30000" dirty="0" smtClean="0"/>
+                  <a:t>T</a:t>
+                </a:r>
+                <a:r>
+                  <a:rPr lang="en-US" altLang="ko-KR" sz="1400" dirty="0" smtClean="0"/>
+                  <a:t>=U</a:t>
+                </a:r>
+                <a:r>
+                  <a:rPr lang="en-US" altLang="ko-KR" sz="1400" baseline="30000" dirty="0" smtClean="0"/>
+                  <a:t>T</a:t>
+                </a:r>
+                <a:r>
+                  <a:rPr lang="en-US" altLang="ko-KR" sz="1400" dirty="0" smtClean="0"/>
+                  <a:t>U=I) </a:t>
+                </a:r>
+              </a:p>
+              <a:p>
+                <a:pPr marL="630238" lvl="2" indent="0">
+                  <a:buNone/>
+                </a:pPr>
+                <a:r>
+                  <a:rPr lang="en-US" altLang="ko-KR" sz="1400" dirty="0" smtClean="0"/>
+                  <a:t>  </a:t>
+                </a:r>
+                <a:r>
+                  <a:rPr lang="el-GR" altLang="ko-KR" sz="1400" dirty="0" smtClean="0"/>
+                  <a:t>Σ:</a:t>
+                </a:r>
+                <a:r>
+                  <a:rPr lang="el-GR" altLang="ko-KR" sz="1400" dirty="0"/>
+                  <a:t> </a:t>
+                </a:r>
+                <a:r>
+                  <a:rPr lang="en-US" altLang="ko-KR" sz="1400" dirty="0" smtClean="0"/>
+                  <a:t>m×n</a:t>
+                </a:r>
+                <a:r>
+                  <a:rPr lang="en-US" altLang="ko-KR" sz="1400" dirty="0"/>
+                  <a:t> diagonal </a:t>
+                </a:r>
+                <a:r>
+                  <a:rPr lang="en-US" altLang="ko-KR" sz="1400" dirty="0" smtClean="0"/>
+                  <a:t>matrix (</a:t>
+                </a:r>
+                <a:r>
+                  <a:rPr lang="ko-KR" altLang="en-US" sz="1400" dirty="0" smtClean="0"/>
+                  <a:t>참고</a:t>
+                </a:r>
+                <a:r>
+                  <a:rPr lang="en-US" altLang="ko-KR" sz="1400" dirty="0" smtClean="0"/>
+                  <a:t>: Diagonal matrix: </a:t>
+                </a:r>
+                <a:r>
+                  <a:rPr lang="ko-KR" altLang="en-US" sz="1400" dirty="0" smtClean="0"/>
+                  <a:t>대각성분을 제외한 원소가 모두 </a:t>
+                </a:r>
+                <a:r>
+                  <a:rPr lang="en-US" altLang="ko-KR" sz="1400" dirty="0" smtClean="0"/>
+                  <a:t>0) </a:t>
+                </a:r>
+                <a:r>
+                  <a:rPr lang="en-US" altLang="ko-KR" sz="1400" dirty="0"/>
+                  <a:t/>
+                </a:r>
+                <a:br>
+                  <a:rPr lang="en-US" altLang="ko-KR" sz="1400" dirty="0"/>
+                </a:br>
+                <a:r>
+                  <a:rPr lang="en-US" altLang="ko-KR" sz="1400" dirty="0" smtClean="0"/>
+                  <a:t>  V:</a:t>
+                </a:r>
+                <a:r>
+                  <a:rPr lang="en-US" altLang="ko-KR" sz="1400" dirty="0"/>
+                  <a:t> </a:t>
+                </a:r>
+                <a:r>
+                  <a:rPr lang="en-US" altLang="ko-KR" sz="1400" dirty="0" smtClean="0"/>
+                  <a:t>n×n orthogonal matrix</a:t>
+                </a:r>
+                <a:endParaRPr lang="en-US" altLang="ko-KR" dirty="0" smtClean="0"/>
+              </a:p>
+              <a:p>
+                <a:pPr marL="630238" lvl="2" indent="0">
+                  <a:buNone/>
+                </a:pPr>
+                <a:r>
+                  <a:rPr lang="ko-KR" altLang="en-US" smtClean="0"/>
+                  <a:t> 참고</a:t>
+                </a:r>
+                <a:r>
+                  <a:rPr lang="en-US" altLang="ko-KR" dirty="0" smtClean="0"/>
+                  <a:t>) </a:t>
+                </a:r>
+                <a:r>
+                  <a:rPr lang="en-US" altLang="ko-KR" dirty="0">
+                    <a:hlinkClick r:id="rId2"/>
+                  </a:rPr>
+                  <a:t>https://</a:t>
+                </a:r>
+                <a:r>
+                  <a:rPr lang="en-US" altLang="ko-KR" dirty="0" smtClean="0">
+                    <a:hlinkClick r:id="rId2"/>
+                  </a:rPr>
+                  <a:t>wikidocs.net/25820</a:t>
                 </a:r>
                 <a:endParaRPr lang="en-US" altLang="ko-KR" dirty="0" smtClean="0"/>
               </a:p>
@@ -13489,7 +13633,7 @@
             </p:txBody>
           </p:sp>
         </mc:Choice>
-        <mc:Fallback xmlns="">
+        <mc:Fallback>
           <p:sp>
             <p:nvSpPr>
               <p:cNvPr id="3" name="내용 개체 틀 2"/>
@@ -13502,7 +13646,7 @@
             </p:nvSpPr>
             <p:spPr>
               <a:blipFill rotWithShape="1">
-                <a:blip r:embed="rId2"/>
+                <a:blip r:embed="rId3"/>
                 <a:stretch>
                   <a:fillRect t="-572"/>
                 </a:stretch>
@@ -14320,11 +14464,7 @@
           <a:p>
             <a:r>
               <a:rPr lang="ko-KR" altLang="en-US" sz="1800" dirty="0" smtClean="0"/>
-              <a:t>기법 </a:t>
-            </a:r>
-            <a:r>
-              <a:rPr lang="ko-KR" altLang="en-US" sz="1800" dirty="0" smtClean="0"/>
-              <a:t>분류</a:t>
+              <a:t>기법 분류</a:t>
             </a:r>
           </a:p>
         </p:txBody>
